--- a/ppts/Week4d Generate your own dataset (basic_gendataset).pptx
+++ b/ppts/Week4d Generate your own dataset (basic_gendataset).pptx
@@ -120,7 +120,7 @@
   </p:defaultTextStyle>
   <p:extLst>
     <p:ext uri="{EFAFB233-063F-42B5-8137-9DF3F51BA10A}">
-      <p15:sldGuideLst xmlns:p15="http://schemas.microsoft.com/office/powerpoint/2012/main">
+      <p15:sldGuideLst xmlns:p15="http://schemas.microsoft.com/office/powerpoint/2012/main" xmlns="">
         <p15:guide id="1" orient="horz" pos="2160">
           <p15:clr>
             <a:srgbClr val="A4A3A4"/>
@@ -220,7 +220,7 @@
             <a:fld id="{E9CA654E-EBD9-4CE9-AAD0-9BCA047E2E1D}" type="datetimeFigureOut">
               <a:rPr lang="ko-KR" altLang="en-US" smtClean="0"/>
               <a:pPr/>
-              <a:t>2016. 10. 29.</a:t>
+              <a:t>17. 3. 11.</a:t>
             </a:fld>
             <a:endParaRPr lang="ko-KR" altLang="en-US"/>
           </a:p>
@@ -600,7 +600,7 @@
                 <a:ea typeface="Meiryo UI" pitchFamily="34" charset="-128"/>
               </a:rPr>
               <a:pPr/>
-              <a:t>Saturday, October 29, 2016</a:t>
+              <a:t>17년 3월 11일 Saturday</a:t>
             </a:fld>
             <a:endParaRPr lang="ko-KR" altLang="en-US" dirty="0"/>
           </a:p>
@@ -614,7 +614,7 @@
   <p:timing>
     <p:tnLst>
       <p:par>
-        <p:cTn id="1" dur="indefinite" restart="never" nodeType="tmRoot"/>
+        <p:cTn xmlns:p14="http://schemas.microsoft.com/office/powerpoint/2010/main" id="1" dur="indefinite" restart="never" nodeType="tmRoot"/>
       </p:par>
     </p:tnLst>
   </p:timing>
@@ -732,7 +732,7 @@
             <a:fld id="{33A0F7CB-10CC-4FA0-AAB7-60557755851D}" type="datetime1">
               <a:rPr lang="ko-KR" altLang="en-US" smtClean="0"/>
               <a:pPr/>
-              <a:t>2016. 10. 29.</a:t>
+              <a:t>17. 3. 11.</a:t>
             </a:fld>
             <a:endParaRPr lang="ko-KR" altLang="en-US"/>
           </a:p>
@@ -909,7 +909,7 @@
             <a:fld id="{2072E3B2-398D-43A2-9FF0-A5DC47D85F0F}" type="datetime1">
               <a:rPr lang="ko-KR" altLang="en-US" smtClean="0"/>
               <a:pPr/>
-              <a:t>2016. 10. 29.</a:t>
+              <a:t>17. 3. 11.</a:t>
             </a:fld>
             <a:endParaRPr lang="ko-KR" altLang="en-US"/>
           </a:p>
@@ -1210,7 +1210,7 @@
   <p:timing>
     <p:tnLst>
       <p:par>
-        <p:cTn id="1" dur="indefinite" restart="never" nodeType="tmRoot"/>
+        <p:cTn xmlns:p14="http://schemas.microsoft.com/office/powerpoint/2010/main" id="1" dur="indefinite" restart="never" nodeType="tmRoot"/>
       </p:par>
     </p:tnLst>
   </p:timing>
@@ -1423,7 +1423,7 @@
             <a:fld id="{DAC76C8D-0C64-468D-9E07-BA112BE10A5A}" type="datetime1">
               <a:rPr lang="ko-KR" altLang="en-US" smtClean="0"/>
               <a:pPr/>
-              <a:t>2016. 10. 29.</a:t>
+              <a:t>17. 3. 11.</a:t>
             </a:fld>
             <a:endParaRPr lang="ko-KR" altLang="en-US"/>
           </a:p>
@@ -1713,7 +1713,7 @@
             <a:fld id="{ABCA1450-90AE-4591-9DA4-2F2C0E29B421}" type="datetime1">
               <a:rPr lang="ko-KR" altLang="en-US" smtClean="0"/>
               <a:pPr/>
-              <a:t>2016. 10. 29.</a:t>
+              <a:t>17. 3. 11.</a:t>
             </a:fld>
             <a:endParaRPr lang="ko-KR" altLang="en-US"/>
           </a:p>
@@ -1770,7 +1770,7 @@
   <p:timing>
     <p:tnLst>
       <p:par>
-        <p:cTn id="1" dur="indefinite" restart="never" nodeType="tmRoot"/>
+        <p:cTn xmlns:p14="http://schemas.microsoft.com/office/powerpoint/2010/main" id="1" dur="indefinite" restart="never" nodeType="tmRoot"/>
       </p:par>
     </p:tnLst>
   </p:timing>
@@ -2139,7 +2139,7 @@
             <a:fld id="{3170F9C2-910D-48E9-A1D4-06EE9E8CCF11}" type="datetime1">
               <a:rPr lang="ko-KR" altLang="en-US" smtClean="0"/>
               <a:pPr/>
-              <a:t>2016. 10. 29.</a:t>
+              <a:t>17. 3. 11.</a:t>
             </a:fld>
             <a:endParaRPr lang="ko-KR" altLang="en-US"/>
           </a:p>
@@ -2426,7 +2426,7 @@
             <a:fld id="{0A2BF0E3-3B49-48EE-8E65-6F6B7B05A3E6}" type="datetime1">
               <a:rPr lang="ko-KR" altLang="en-US" smtClean="0"/>
               <a:pPr/>
-              <a:t>2016. 10. 29.</a:t>
+              <a:t>17. 3. 11.</a:t>
             </a:fld>
             <a:endParaRPr lang="ko-KR" altLang="en-US"/>
           </a:p>
@@ -2700,7 +2700,7 @@
             <a:fld id="{D56EDD30-A8D5-4E8F-A388-D7F8914E7797}" type="datetime1">
               <a:rPr lang="ko-KR" altLang="en-US" smtClean="0"/>
               <a:pPr/>
-              <a:t>2016. 10. 29.</a:t>
+              <a:t>17. 3. 11.</a:t>
             </a:fld>
             <a:endParaRPr lang="ko-KR" altLang="en-US"/>
           </a:p>
@@ -2950,7 +2950,7 @@
             <a:fld id="{BA001FBA-5EDF-4611-9FD5-552C72983771}" type="datetime1">
               <a:rPr lang="ko-KR" altLang="en-US" smtClean="0"/>
               <a:pPr/>
-              <a:t>2016. 10. 29.</a:t>
+              <a:t>17. 3. 11.</a:t>
             </a:fld>
             <a:endParaRPr lang="ko-KR" altLang="en-US"/>
           </a:p>
@@ -3160,7 +3160,7 @@
             <a:fld id="{1E3DD4C6-1DC2-4462-9A2C-36CF4FD257E7}" type="datetime1">
               <a:rPr lang="ko-KR" altLang="en-US" smtClean="0"/>
               <a:pPr/>
-              <a:t>2016. 10. 29.</a:t>
+              <a:t>17. 3. 11.</a:t>
             </a:fld>
             <a:endParaRPr lang="ko-KR" altLang="en-US"/>
           </a:p>
@@ -3599,7 +3599,7 @@
   <p:timing>
     <p:tnLst>
       <p:par>
-        <p:cTn id="1" dur="indefinite" restart="never" nodeType="tmRoot"/>
+        <p:cTn xmlns:p14="http://schemas.microsoft.com/office/powerpoint/2010/main" id="1" dur="indefinite" restart="never" nodeType="tmRoot"/>
       </p:par>
     </p:tnLst>
   </p:timing>
@@ -3708,7 +3708,7 @@
   <p:timing>
     <p:tnLst>
       <p:par>
-        <p:cTn id="1" dur="indefinite" restart="never" nodeType="tmRoot"/>
+        <p:cTn xmlns:p14="http://schemas.microsoft.com/office/powerpoint/2010/main" id="1" dur="indefinite" restart="never" nodeType="tmRoot"/>
       </p:par>
     </p:tnLst>
   </p:timing>
@@ -3793,7 +3793,7 @@
   <p:timing>
     <p:tnLst>
       <p:par>
-        <p:cTn id="1" dur="indefinite" restart="never" nodeType="tmRoot"/>
+        <p:cTn xmlns:p14="http://schemas.microsoft.com/office/powerpoint/2010/main" id="1" dur="indefinite" restart="never" nodeType="tmRoot"/>
       </p:par>
     </p:tnLst>
   </p:timing>
@@ -3902,7 +3902,7 @@
   <p:timing>
     <p:tnLst>
       <p:par>
-        <p:cTn id="1" dur="indefinite" restart="never" nodeType="tmRoot"/>
+        <p:cTn xmlns:p14="http://schemas.microsoft.com/office/powerpoint/2010/main" id="1" dur="indefinite" restart="never" nodeType="tmRoot"/>
       </p:par>
     </p:tnLst>
   </p:timing>
@@ -3987,7 +3987,7 @@
   <p:timing>
     <p:tnLst>
       <p:par>
-        <p:cTn id="1" dur="indefinite" restart="never" nodeType="tmRoot"/>
+        <p:cTn xmlns:p14="http://schemas.microsoft.com/office/powerpoint/2010/main" id="1" dur="indefinite" restart="never" nodeType="tmRoot"/>
       </p:par>
     </p:tnLst>
   </p:timing>
@@ -4072,7 +4072,7 @@
   <p:timing>
     <p:tnLst>
       <p:par>
-        <p:cTn id="1" dur="indefinite" restart="never" nodeType="tmRoot"/>
+        <p:cTn xmlns:p14="http://schemas.microsoft.com/office/powerpoint/2010/main" id="1" dur="indefinite" restart="never" nodeType="tmRoot"/>
       </p:par>
     </p:tnLst>
   </p:timing>
@@ -4157,7 +4157,7 @@
   <p:timing>
     <p:tnLst>
       <p:par>
-        <p:cTn id="1" dur="indefinite" restart="never" nodeType="tmRoot"/>
+        <p:cTn xmlns:p14="http://schemas.microsoft.com/office/powerpoint/2010/main" id="1" dur="indefinite" restart="never" nodeType="tmRoot"/>
       </p:par>
     </p:tnLst>
   </p:timing>
@@ -4242,7 +4242,7 @@
   <p:timing>
     <p:tnLst>
       <p:par>
-        <p:cTn id="1" dur="indefinite" restart="never" nodeType="tmRoot"/>
+        <p:cTn xmlns:p14="http://schemas.microsoft.com/office/powerpoint/2010/main" id="1" dur="indefinite" restart="never" nodeType="tmRoot"/>
       </p:par>
     </p:tnLst>
   </p:timing>
@@ -4327,7 +4327,7 @@
   <p:timing>
     <p:tnLst>
       <p:par>
-        <p:cTn id="1" dur="indefinite" restart="never" nodeType="tmRoot"/>
+        <p:cTn xmlns:p14="http://schemas.microsoft.com/office/powerpoint/2010/main" id="1" dur="indefinite" restart="never" nodeType="tmRoot"/>
       </p:par>
     </p:tnLst>
   </p:timing>
@@ -4412,7 +4412,7 @@
   <p:timing>
     <p:tnLst>
       <p:par>
-        <p:cTn id="1" dur="indefinite" restart="never" nodeType="tmRoot"/>
+        <p:cTn xmlns:p14="http://schemas.microsoft.com/office/powerpoint/2010/main" id="1" dur="indefinite" restart="never" nodeType="tmRoot"/>
       </p:par>
     </p:tnLst>
   </p:timing>
@@ -4497,7 +4497,7 @@
   <p:timing>
     <p:tnLst>
       <p:par>
-        <p:cTn id="1" dur="indefinite" restart="never" nodeType="tmRoot"/>
+        <p:cTn xmlns:p14="http://schemas.microsoft.com/office/powerpoint/2010/main" id="1" dur="indefinite" restart="never" nodeType="tmRoot"/>
       </p:par>
     </p:tnLst>
   </p:timing>
@@ -4582,7 +4582,7 @@
   <p:timing>
     <p:tnLst>
       <p:par>
-        <p:cTn id="1" dur="indefinite" restart="never" nodeType="tmRoot"/>
+        <p:cTn xmlns:p14="http://schemas.microsoft.com/office/powerpoint/2010/main" id="1" dur="indefinite" restart="never" nodeType="tmRoot"/>
       </p:par>
     </p:tnLst>
   </p:timing>
